--- a/Week15/07 Dog Rescue - Create Location.pptx
+++ b/Week15/07 Dog Rescue - Create Location.pptx
@@ -118,6 +118,50 @@
 </p:presentation>
 </file>
 
+<file path=ppt/changesInfos/changesInfo1.xml><?xml version="1.0" encoding="utf-8"?>
+<pc:chgInfo xmlns:a="http://schemas.openxmlformats.org/drawingml/2006/main" xmlns:r="http://schemas.openxmlformats.org/officeDocument/2006/relationships" xmlns:ac="http://schemas.microsoft.com/office/drawing/2013/main/command" xmlns:pc="http://schemas.microsoft.com/office/powerpoint/2013/main/command">
+  <pc:docChgLst>
+    <pc:chgData name="Chuck Kiefriter" userId="a996b49251c4dfd2" providerId="LiveId" clId="{D6AE6152-20A0-4D54-AF67-91C069D18344}"/>
+    <pc:docChg chg="modSld">
+      <pc:chgData name="Chuck Kiefriter" userId="a996b49251c4dfd2" providerId="LiveId" clId="{D6AE6152-20A0-4D54-AF67-91C069D18344}" dt="2024-05-15T23:35:34.520" v="1" actId="14100"/>
+      <pc:docMkLst>
+        <pc:docMk/>
+      </pc:docMkLst>
+      <pc:sldChg chg="modSp mod">
+        <pc:chgData name="Chuck Kiefriter" userId="a996b49251c4dfd2" providerId="LiveId" clId="{D6AE6152-20A0-4D54-AF67-91C069D18344}" dt="2024-05-15T23:34:19.105" v="0" actId="14100"/>
+        <pc:sldMkLst>
+          <pc:docMk/>
+          <pc:sldMk cId="3064087283" sldId="257"/>
+        </pc:sldMkLst>
+        <pc:spChg chg="mod">
+          <ac:chgData name="Chuck Kiefriter" userId="a996b49251c4dfd2" providerId="LiveId" clId="{D6AE6152-20A0-4D54-AF67-91C069D18344}" dt="2024-05-15T23:34:19.105" v="0" actId="14100"/>
+          <ac:spMkLst>
+            <pc:docMk/>
+            <pc:sldMk cId="3064087283" sldId="257"/>
+            <ac:spMk id="3" creationId="{D87A1649-F24C-DA41-14BA-95807D35AE09}"/>
+          </ac:spMkLst>
+        </pc:spChg>
+      </pc:sldChg>
+      <pc:sldChg chg="modSp mod">
+        <pc:chgData name="Chuck Kiefriter" userId="a996b49251c4dfd2" providerId="LiveId" clId="{D6AE6152-20A0-4D54-AF67-91C069D18344}" dt="2024-05-15T23:35:34.520" v="1" actId="14100"/>
+        <pc:sldMkLst>
+          <pc:docMk/>
+          <pc:sldMk cId="3394321495" sldId="258"/>
+        </pc:sldMkLst>
+        <pc:spChg chg="mod">
+          <ac:chgData name="Chuck Kiefriter" userId="a996b49251c4dfd2" providerId="LiveId" clId="{D6AE6152-20A0-4D54-AF67-91C069D18344}" dt="2024-05-15T23:35:34.520" v="1" actId="14100"/>
+          <ac:spMkLst>
+            <pc:docMk/>
+            <pc:sldMk cId="3394321495" sldId="258"/>
+            <ac:spMk id="3" creationId="{46B6BFBB-2ECF-BC33-169F-F24EA52EF43A}"/>
+          </ac:spMkLst>
+        </pc:spChg>
+      </pc:sldChg>
+    </pc:docChg>
+  </pc:docChgLst>
+</pc:chgInfo>
+</file>
+
 <file path=ppt/slideLayouts/slideLayout1.xml><?xml version="1.0" encoding="utf-8"?>
 <p:sldLayout xmlns:a="http://schemas.openxmlformats.org/drawingml/2006/main" xmlns:r="http://schemas.openxmlformats.org/officeDocument/2006/relationships" xmlns:p="http://schemas.openxmlformats.org/presentationml/2006/main" type="title" preserve="1">
   <p:cSld name="Title Slide">
@@ -249,7 +293,7 @@
           <a:p>
             <a:fld id="{CC7041F7-93FA-461C-A8C6-6BAE0787D906}" type="datetimeFigureOut">
               <a:rPr lang="en-US" smtClean="0"/>
-              <a:t>1/9/2023</a:t>
+              <a:t>5/15/2024</a:t>
             </a:fld>
             <a:endParaRPr lang="en-US"/>
           </a:p>
@@ -419,7 +463,7 @@
           <a:p>
             <a:fld id="{CC7041F7-93FA-461C-A8C6-6BAE0787D906}" type="datetimeFigureOut">
               <a:rPr lang="en-US" smtClean="0"/>
-              <a:t>1/9/2023</a:t>
+              <a:t>5/15/2024</a:t>
             </a:fld>
             <a:endParaRPr lang="en-US"/>
           </a:p>
@@ -599,7 +643,7 @@
           <a:p>
             <a:fld id="{CC7041F7-93FA-461C-A8C6-6BAE0787D906}" type="datetimeFigureOut">
               <a:rPr lang="en-US" smtClean="0"/>
-              <a:t>1/9/2023</a:t>
+              <a:t>5/15/2024</a:t>
             </a:fld>
             <a:endParaRPr lang="en-US"/>
           </a:p>
@@ -769,7 +813,7 @@
           <a:p>
             <a:fld id="{CC7041F7-93FA-461C-A8C6-6BAE0787D906}" type="datetimeFigureOut">
               <a:rPr lang="en-US" smtClean="0"/>
-              <a:t>1/9/2023</a:t>
+              <a:t>5/15/2024</a:t>
             </a:fld>
             <a:endParaRPr lang="en-US"/>
           </a:p>
@@ -1015,7 +1059,7 @@
           <a:p>
             <a:fld id="{CC7041F7-93FA-461C-A8C6-6BAE0787D906}" type="datetimeFigureOut">
               <a:rPr lang="en-US" smtClean="0"/>
-              <a:t>1/9/2023</a:t>
+              <a:t>5/15/2024</a:t>
             </a:fld>
             <a:endParaRPr lang="en-US"/>
           </a:p>
@@ -1247,7 +1291,7 @@
           <a:p>
             <a:fld id="{CC7041F7-93FA-461C-A8C6-6BAE0787D906}" type="datetimeFigureOut">
               <a:rPr lang="en-US" smtClean="0"/>
-              <a:t>1/9/2023</a:t>
+              <a:t>5/15/2024</a:t>
             </a:fld>
             <a:endParaRPr lang="en-US"/>
           </a:p>
@@ -1614,7 +1658,7 @@
           <a:p>
             <a:fld id="{CC7041F7-93FA-461C-A8C6-6BAE0787D906}" type="datetimeFigureOut">
               <a:rPr lang="en-US" smtClean="0"/>
-              <a:t>1/9/2023</a:t>
+              <a:t>5/15/2024</a:t>
             </a:fld>
             <a:endParaRPr lang="en-US"/>
           </a:p>
@@ -1732,7 +1776,7 @@
           <a:p>
             <a:fld id="{CC7041F7-93FA-461C-A8C6-6BAE0787D906}" type="datetimeFigureOut">
               <a:rPr lang="en-US" smtClean="0"/>
-              <a:t>1/9/2023</a:t>
+              <a:t>5/15/2024</a:t>
             </a:fld>
             <a:endParaRPr lang="en-US"/>
           </a:p>
@@ -1827,7 +1871,7 @@
           <a:p>
             <a:fld id="{CC7041F7-93FA-461C-A8C6-6BAE0787D906}" type="datetimeFigureOut">
               <a:rPr lang="en-US" smtClean="0"/>
-              <a:t>1/9/2023</a:t>
+              <a:t>5/15/2024</a:t>
             </a:fld>
             <a:endParaRPr lang="en-US"/>
           </a:p>
@@ -2104,7 +2148,7 @@
           <a:p>
             <a:fld id="{CC7041F7-93FA-461C-A8C6-6BAE0787D906}" type="datetimeFigureOut">
               <a:rPr lang="en-US" smtClean="0"/>
-              <a:t>1/9/2023</a:t>
+              <a:t>5/15/2024</a:t>
             </a:fld>
             <a:endParaRPr lang="en-US"/>
           </a:p>
@@ -2361,7 +2405,7 @@
           <a:p>
             <a:fld id="{CC7041F7-93FA-461C-A8C6-6BAE0787D906}" type="datetimeFigureOut">
               <a:rPr lang="en-US" smtClean="0"/>
-              <a:t>1/9/2023</a:t>
+              <a:t>5/15/2024</a:t>
             </a:fld>
             <a:endParaRPr lang="en-US"/>
           </a:p>
@@ -2574,7 +2618,7 @@
           <a:p>
             <a:fld id="{CC7041F7-93FA-461C-A8C6-6BAE0787D906}" type="datetimeFigureOut">
               <a:rPr lang="en-US" smtClean="0"/>
-              <a:t>1/9/2023</a:t>
+              <a:t>5/15/2024</a:t>
             </a:fld>
             <a:endParaRPr lang="en-US"/>
           </a:p>
@@ -3129,7 +3173,7 @@
         <p:spPr>
           <a:xfrm>
             <a:off x="838200" y="1825625"/>
-            <a:ext cx="5589896" cy="4351338"/>
+            <a:ext cx="10884408" cy="4351338"/>
           </a:xfrm>
         </p:spPr>
         <p:txBody>
@@ -3264,7 +3308,7 @@
         <p:spPr>
           <a:xfrm>
             <a:off x="838200" y="1825625"/>
-            <a:ext cx="5726373" cy="4351338"/>
+            <a:ext cx="9585960" cy="4351338"/>
           </a:xfrm>
         </p:spPr>
         <p:txBody>
